--- a/0926/gpm-2021563060정미주.pptx
+++ b/0926/gpm-2021563060정미주.pptx
@@ -142,6 +142,126 @@
     <inkml:context xml:id="ctx0">
       <inkml:inkSource xml:id="inkSrc0">
         <inkml:traceFormat>
+          <inkml:channel name="X" type="integer" max="1920" units="cm"/>
+          <inkml:channel name="Y" type="integer" max="1080" units="cm"/>
+          <inkml:channel name="T" type="integer" max="2.14748E9" units="dev"/>
+        </inkml:traceFormat>
+        <inkml:channelProperties>
+          <inkml:channelProperty channel="X" name="resolution" value="36.43264" units="1/cm"/>
+          <inkml:channelProperty channel="Y" name="resolution" value="36.48649" units="1/cm"/>
+          <inkml:channelProperty channel="T" name="resolution" value="1" units="1/dev"/>
+        </inkml:channelProperties>
+      </inkml:inkSource>
+      <inkml:timestamp xml:id="ts0" timeString="2024-10-10T02:16:42.599"/>
+    </inkml:context>
+    <inkml:brush xml:id="br0">
+      <inkml:brushProperty name="width" value="0.2" units="cm"/>
+      <inkml:brushProperty name="height" value="0.4" units="cm"/>
+      <inkml:brushProperty name="color" value="#00FF00"/>
+      <inkml:brushProperty name="tip" value="rectangle"/>
+      <inkml:brushProperty name="rasterOp" value="maskPen"/>
+    </inkml:brush>
+  </inkml:definitions>
+  <inkml:trace contextRef="#ctx0" brushRef="#br0">0 0 0,'158'0'110,"-31"0"-110,127 0 15,32 0-15,95 0 16,254 0-16,159 0 15,63 0-15,-349 0 16</inkml:trace>
+</inkml:ink>
+</file>
+
+<file path=ppt/ink/ink10.xml><?xml version="1.0" encoding="utf-8"?>
+<inkml:ink xmlns:inkml="http://www.w3.org/2003/InkML">
+  <inkml:definitions>
+    <inkml:context xml:id="ctx0">
+      <inkml:inkSource xml:id="inkSrc0">
+        <inkml:traceFormat>
+          <inkml:channel name="X" type="integer" max="1920" units="cm"/>
+          <inkml:channel name="Y" type="integer" max="1080" units="cm"/>
+          <inkml:channel name="T" type="integer" max="2.14748E9" units="dev"/>
+        </inkml:traceFormat>
+        <inkml:channelProperties>
+          <inkml:channelProperty channel="X" name="resolution" value="36.43264" units="1/cm"/>
+          <inkml:channelProperty channel="Y" name="resolution" value="36.48649" units="1/cm"/>
+          <inkml:channelProperty channel="T" name="resolution" value="1" units="1/dev"/>
+        </inkml:channelProperties>
+      </inkml:inkSource>
+      <inkml:timestamp xml:id="ts0" timeString="2024-10-10T02:19:19.126"/>
+    </inkml:context>
+    <inkml:brush xml:id="br0">
+      <inkml:brushProperty name="width" value="0.2" units="cm"/>
+      <inkml:brushProperty name="height" value="0.4" units="cm"/>
+      <inkml:brushProperty name="color" value="#00FF00"/>
+      <inkml:brushProperty name="tip" value="rectangle"/>
+      <inkml:brushProperty name="rasterOp" value="maskPen"/>
+    </inkml:brush>
+  </inkml:definitions>
+  <inkml:trace contextRef="#ctx0" brushRef="#br0">0 0 0,'37'0'110,"-7"0"-110,30 0 15,8 0-15,22 0 16,60 0-16,37 0 15,16 0-15,-83 0 16</inkml:trace>
+</inkml:ink>
+</file>
+
+<file path=ppt/ink/ink11.xml><?xml version="1.0" encoding="utf-8"?>
+<inkml:ink xmlns:inkml="http://www.w3.org/2003/InkML">
+  <inkml:definitions>
+    <inkml:context xml:id="ctx0">
+      <inkml:inkSource xml:id="inkSrc0">
+        <inkml:traceFormat>
+          <inkml:channel name="X" type="integer" max="1920" units="cm"/>
+          <inkml:channel name="Y" type="integer" max="1080" units="cm"/>
+          <inkml:channel name="T" type="integer" max="2.14748E9" units="dev"/>
+        </inkml:traceFormat>
+        <inkml:channelProperties>
+          <inkml:channelProperty channel="X" name="resolution" value="36.43264" units="1/cm"/>
+          <inkml:channelProperty channel="Y" name="resolution" value="36.48649" units="1/cm"/>
+          <inkml:channelProperty channel="T" name="resolution" value="1" units="1/dev"/>
+        </inkml:channelProperties>
+      </inkml:inkSource>
+      <inkml:timestamp xml:id="ts0" timeString="2024-10-10T02:19:28.938"/>
+    </inkml:context>
+    <inkml:brush xml:id="br0">
+      <inkml:brushProperty name="width" value="0.2" units="cm"/>
+      <inkml:brushProperty name="height" value="0.4" units="cm"/>
+      <inkml:brushProperty name="color" value="#00FF00"/>
+      <inkml:brushProperty name="tip" value="rectangle"/>
+      <inkml:brushProperty name="rasterOp" value="maskPen"/>
+    </inkml:brush>
+  </inkml:definitions>
+  <inkml:trace contextRef="#ctx0" brushRef="#br0">0 0 0,'73'0'110,"-14"0"-110,59 0 15,14 0-15,45 0 16,117 0-16,74 0 15,29 0-15,-161 0 16</inkml:trace>
+</inkml:ink>
+</file>
+
+<file path=ppt/ink/ink12.xml><?xml version="1.0" encoding="utf-8"?>
+<inkml:ink xmlns:inkml="http://www.w3.org/2003/InkML">
+  <inkml:definitions>
+    <inkml:context xml:id="ctx0">
+      <inkml:inkSource xml:id="inkSrc0">
+        <inkml:traceFormat>
+          <inkml:channel name="X" type="integer" max="1920" units="cm"/>
+          <inkml:channel name="Y" type="integer" max="1080" units="cm"/>
+          <inkml:channel name="T" type="integer" max="2.14748E9" units="dev"/>
+        </inkml:traceFormat>
+        <inkml:channelProperties>
+          <inkml:channelProperty channel="X" name="resolution" value="36.43264" units="1/cm"/>
+          <inkml:channelProperty channel="Y" name="resolution" value="36.48649" units="1/cm"/>
+          <inkml:channelProperty channel="T" name="resolution" value="1" units="1/dev"/>
+        </inkml:channelProperties>
+      </inkml:inkSource>
+      <inkml:timestamp xml:id="ts0" timeString="2024-10-10T02:19:59.157"/>
+    </inkml:context>
+    <inkml:brush xml:id="br0">
+      <inkml:brushProperty name="width" value="0.2" units="cm"/>
+      <inkml:brushProperty name="height" value="0.4" units="cm"/>
+      <inkml:brushProperty name="color" value="#00FF00"/>
+      <inkml:brushProperty name="tip" value="rectangle"/>
+      <inkml:brushProperty name="rasterOp" value="maskPen"/>
+    </inkml:brush>
+  </inkml:definitions>
+  <inkml:trace contextRef="#ctx0" brushRef="#br0">0 0 0,'28'0'110,"-6"0"-110,23 0 15,6 0-15,16 0 16,45 0-16,29 0 15,10 0-15,-61 0 16</inkml:trace>
+</inkml:ink>
+</file>
+
+<file path=ppt/ink/ink13.xml><?xml version="1.0" encoding="utf-8"?>
+<inkml:ink xmlns:inkml="http://www.w3.org/2003/InkML">
+  <inkml:definitions>
+    <inkml:context xml:id="ctx0">
+      <inkml:inkSource xml:id="inkSrc0">
+        <inkml:traceFormat>
           <inkml:channel name="X" type="integer" min="-2.14748E9" max="2.14748E9" units="cm"/>
           <inkml:channel name="Y" type="integer" min="-2.14748E9" max="2.14748E9" units="cm"/>
         </inkml:traceFormat>
@@ -165,7 +285,7 @@
 </inkml:ink>
 </file>
 
-<file path=ppt/ink/ink2.xml><?xml version="1.0" encoding="utf-8"?>
+<file path=ppt/ink/ink14.xml><?xml version="1.0" encoding="utf-8"?>
 <inkml:ink xmlns:inkml="http://www.w3.org/2003/InkML">
   <inkml:definitions>
     <inkml:context xml:id="ctx0">
@@ -194,7 +314,7 @@
 </inkml:ink>
 </file>
 
-<file path=ppt/ink/ink3.xml><?xml version="1.0" encoding="utf-8"?>
+<file path=ppt/ink/ink15.xml><?xml version="1.0" encoding="utf-8"?>
 <inkml:ink xmlns:inkml="http://www.w3.org/2003/InkML">
   <inkml:definitions>
     <inkml:context xml:id="ctx0">
@@ -223,7 +343,7 @@
 </inkml:ink>
 </file>
 
-<file path=ppt/ink/ink4.xml><?xml version="1.0" encoding="utf-8"?>
+<file path=ppt/ink/ink16.xml><?xml version="1.0" encoding="utf-8"?>
 <inkml:ink xmlns:inkml="http://www.w3.org/2003/InkML">
   <inkml:definitions>
     <inkml:context xml:id="ctx0">
@@ -252,7 +372,7 @@
 </inkml:ink>
 </file>
 
-<file path=ppt/ink/ink5.xml><?xml version="1.0" encoding="utf-8"?>
+<file path=ppt/ink/ink17.xml><?xml version="1.0" encoding="utf-8"?>
 <inkml:ink xmlns:inkml="http://www.w3.org/2003/InkML">
   <inkml:definitions>
     <inkml:context xml:id="ctx0">
@@ -281,7 +401,7 @@
 </inkml:ink>
 </file>
 
-<file path=ppt/ink/ink6.xml><?xml version="1.0" encoding="utf-8"?>
+<file path=ppt/ink/ink18.xml><?xml version="1.0" encoding="utf-8"?>
 <inkml:ink xmlns:inkml="http://www.w3.org/2003/InkML">
   <inkml:definitions>
     <inkml:context xml:id="ctx0">
@@ -310,7 +430,7 @@
 </inkml:ink>
 </file>
 
-<file path=ppt/ink/ink7.xml><?xml version="1.0" encoding="utf-8"?>
+<file path=ppt/ink/ink19.xml><?xml version="1.0" encoding="utf-8"?>
 <inkml:ink xmlns:inkml="http://www.w3.org/2003/InkML">
   <inkml:definitions>
     <inkml:context xml:id="ctx0">
@@ -336,6 +456,426 @@
     </inkml:brush>
   </inkml:definitions>
   <inkml:trace contextRef="#ctx0" brushRef="#br0">1 1,'1211'0,"-1186"0</inkml:trace>
+</inkml:ink>
+</file>
+
+<file path=ppt/ink/ink2.xml><?xml version="1.0" encoding="utf-8"?>
+<inkml:ink xmlns:inkml="http://www.w3.org/2003/InkML">
+  <inkml:definitions>
+    <inkml:context xml:id="ctx0">
+      <inkml:inkSource xml:id="inkSrc0">
+        <inkml:traceFormat>
+          <inkml:channel name="X" type="integer" max="1920" units="cm"/>
+          <inkml:channel name="Y" type="integer" max="1080" units="cm"/>
+          <inkml:channel name="T" type="integer" max="2.14748E9" units="dev"/>
+        </inkml:traceFormat>
+        <inkml:channelProperties>
+          <inkml:channelProperty channel="X" name="resolution" value="36.43264" units="1/cm"/>
+          <inkml:channelProperty channel="Y" name="resolution" value="36.48649" units="1/cm"/>
+          <inkml:channelProperty channel="T" name="resolution" value="1" units="1/dev"/>
+        </inkml:channelProperties>
+      </inkml:inkSource>
+      <inkml:timestamp xml:id="ts0" timeString="2024-10-10T02:16:56.971"/>
+    </inkml:context>
+    <inkml:brush xml:id="br0">
+      <inkml:brushProperty name="width" value="0.2" units="cm"/>
+      <inkml:brushProperty name="height" value="0.4" units="cm"/>
+      <inkml:brushProperty name="color" value="#00FF00"/>
+      <inkml:brushProperty name="tip" value="rectangle"/>
+      <inkml:brushProperty name="rasterOp" value="maskPen"/>
+    </inkml:brush>
+  </inkml:definitions>
+  <inkml:trace contextRef="#ctx0" brushRef="#br0">0 0 0,'158'0'110,"-31"0"-110,127 0 15,32 0-15,95 0 16,254 0-16,159 0 15,63 0-15,-349 0 16</inkml:trace>
+</inkml:ink>
+</file>
+
+<file path=ppt/ink/ink20.xml><?xml version="1.0" encoding="utf-8"?>
+<inkml:ink xmlns:inkml="http://www.w3.org/2003/InkML">
+  <inkml:definitions>
+    <inkml:context xml:id="ctx0">
+      <inkml:inkSource xml:id="inkSrc0">
+        <inkml:traceFormat>
+          <inkml:channel name="X" type="integer" max="1920" units="cm"/>
+          <inkml:channel name="Y" type="integer" max="1080" units="cm"/>
+          <inkml:channel name="T" type="integer" max="2.14748E9" units="dev"/>
+        </inkml:traceFormat>
+        <inkml:channelProperties>
+          <inkml:channelProperty channel="X" name="resolution" value="36.43264" units="1/cm"/>
+          <inkml:channelProperty channel="Y" name="resolution" value="36.48649" units="1/cm"/>
+          <inkml:channelProperty channel="T" name="resolution" value="1" units="1/dev"/>
+        </inkml:channelProperties>
+      </inkml:inkSource>
+      <inkml:timestamp xml:id="ts0" timeString="2024-10-10T02:20:36.273"/>
+    </inkml:context>
+    <inkml:brush xml:id="br0">
+      <inkml:brushProperty name="width" value="0.2" units="cm"/>
+      <inkml:brushProperty name="height" value="0.4" units="cm"/>
+      <inkml:brushProperty name="color" value="#00FF00"/>
+      <inkml:brushProperty name="tip" value="rectangle"/>
+      <inkml:brushProperty name="rasterOp" value="maskPen"/>
+    </inkml:brush>
+  </inkml:definitions>
+  <inkml:trace contextRef="#ctx0" brushRef="#br0">0 0 0,'158'0'110,"-31"0"-110,127 0 15,32 0-15,95 0 16,254 0-16,159 0 15,63 0-15,-349 0 16</inkml:trace>
+</inkml:ink>
+</file>
+
+<file path=ppt/ink/ink21.xml><?xml version="1.0" encoding="utf-8"?>
+<inkml:ink xmlns:inkml="http://www.w3.org/2003/InkML">
+  <inkml:definitions>
+    <inkml:context xml:id="ctx0">
+      <inkml:inkSource xml:id="inkSrc0">
+        <inkml:traceFormat>
+          <inkml:channel name="X" type="integer" max="1920" units="cm"/>
+          <inkml:channel name="Y" type="integer" max="1080" units="cm"/>
+          <inkml:channel name="T" type="integer" max="2.14748E9" units="dev"/>
+        </inkml:traceFormat>
+        <inkml:channelProperties>
+          <inkml:channelProperty channel="X" name="resolution" value="36.43264" units="1/cm"/>
+          <inkml:channelProperty channel="Y" name="resolution" value="36.48649" units="1/cm"/>
+          <inkml:channelProperty channel="T" name="resolution" value="1" units="1/dev"/>
+        </inkml:channelProperties>
+      </inkml:inkSource>
+      <inkml:timestamp xml:id="ts0" timeString="2024-10-10T02:20:46.628"/>
+    </inkml:context>
+    <inkml:brush xml:id="br0">
+      <inkml:brushProperty name="width" value="0.2" units="cm"/>
+      <inkml:brushProperty name="height" value="0.4" units="cm"/>
+      <inkml:brushProperty name="color" value="#00FF00"/>
+      <inkml:brushProperty name="tip" value="rectangle"/>
+      <inkml:brushProperty name="rasterOp" value="maskPen"/>
+    </inkml:brush>
+  </inkml:definitions>
+  <inkml:trace contextRef="#ctx0" brushRef="#br0">0 0 0,'145'0'110,"-28"0"-110,116 0 15,29 0-15,88 0 16,233 0-16,146 0 15,57 0-15,-319 0 16</inkml:trace>
+</inkml:ink>
+</file>
+
+<file path=ppt/ink/ink22.xml><?xml version="1.0" encoding="utf-8"?>
+<inkml:ink xmlns:inkml="http://www.w3.org/2003/InkML">
+  <inkml:definitions>
+    <inkml:context xml:id="ctx0">
+      <inkml:inkSource xml:id="inkSrc0">
+        <inkml:traceFormat>
+          <inkml:channel name="X" type="integer" max="1920" units="cm"/>
+          <inkml:channel name="Y" type="integer" max="1080" units="cm"/>
+          <inkml:channel name="T" type="integer" max="2.14748E9" units="dev"/>
+        </inkml:traceFormat>
+        <inkml:channelProperties>
+          <inkml:channelProperty channel="X" name="resolution" value="36.43264" units="1/cm"/>
+          <inkml:channelProperty channel="Y" name="resolution" value="36.48649" units="1/cm"/>
+          <inkml:channelProperty channel="T" name="resolution" value="1" units="1/dev"/>
+        </inkml:channelProperties>
+      </inkml:inkSource>
+      <inkml:timestamp xml:id="ts0" timeString="2024-10-10T02:21:03.922"/>
+    </inkml:context>
+    <inkml:brush xml:id="br0">
+      <inkml:brushProperty name="width" value="0.2" units="cm"/>
+      <inkml:brushProperty name="height" value="0.4" units="cm"/>
+      <inkml:brushProperty name="color" value="#00FF00"/>
+      <inkml:brushProperty name="tip" value="rectangle"/>
+      <inkml:brushProperty name="rasterOp" value="maskPen"/>
+    </inkml:brush>
+  </inkml:definitions>
+  <inkml:trace contextRef="#ctx0" brushRef="#br0">0 0 0,'158'0'110,"-31"0"-110,127 0 15,32 0-15,95 0 16,254 0-16,159 0 15,63 0-15,-349 0 16</inkml:trace>
+</inkml:ink>
+</file>
+
+<file path=ppt/ink/ink23.xml><?xml version="1.0" encoding="utf-8"?>
+<inkml:ink xmlns:inkml="http://www.w3.org/2003/InkML">
+  <inkml:definitions>
+    <inkml:context xml:id="ctx0">
+      <inkml:inkSource xml:id="inkSrc0">
+        <inkml:traceFormat>
+          <inkml:channel name="X" type="integer" max="1920" units="cm"/>
+          <inkml:channel name="Y" type="integer" max="1080" units="cm"/>
+          <inkml:channel name="T" type="integer" max="2.14748E9" units="dev"/>
+        </inkml:traceFormat>
+        <inkml:channelProperties>
+          <inkml:channelProperty channel="X" name="resolution" value="36.43264" units="1/cm"/>
+          <inkml:channelProperty channel="Y" name="resolution" value="36.48649" units="1/cm"/>
+          <inkml:channelProperty channel="T" name="resolution" value="1" units="1/dev"/>
+        </inkml:channelProperties>
+      </inkml:inkSource>
+      <inkml:timestamp xml:id="ts0" timeString="2024-10-10T02:21:15.622"/>
+    </inkml:context>
+    <inkml:brush xml:id="br0">
+      <inkml:brushProperty name="width" value="0.2" units="cm"/>
+      <inkml:brushProperty name="height" value="0.4" units="cm"/>
+      <inkml:brushProperty name="color" value="#00FF00"/>
+      <inkml:brushProperty name="tip" value="rectangle"/>
+      <inkml:brushProperty name="rasterOp" value="maskPen"/>
+    </inkml:brush>
+  </inkml:definitions>
+  <inkml:trace contextRef="#ctx0" brushRef="#br0">0 0 0,'74'0'110,"-15"0"-110,60 0 15,14 0-15,45 0 16,119 0-16,73 0 15,31 0-15,-164 0 16</inkml:trace>
+</inkml:ink>
+</file>
+
+<file path=ppt/ink/ink24.xml><?xml version="1.0" encoding="utf-8"?>
+<inkml:ink xmlns:inkml="http://www.w3.org/2003/InkML">
+  <inkml:definitions>
+    <inkml:context xml:id="ctx0">
+      <inkml:inkSource xml:id="inkSrc0">
+        <inkml:traceFormat>
+          <inkml:channel name="X" type="integer" max="1920" units="cm"/>
+          <inkml:channel name="Y" type="integer" max="1080" units="cm"/>
+          <inkml:channel name="T" type="integer" max="2.14748E9" units="dev"/>
+        </inkml:traceFormat>
+        <inkml:channelProperties>
+          <inkml:channelProperty channel="X" name="resolution" value="36.43264" units="1/cm"/>
+          <inkml:channelProperty channel="Y" name="resolution" value="36.48649" units="1/cm"/>
+          <inkml:channelProperty channel="T" name="resolution" value="1" units="1/dev"/>
+        </inkml:channelProperties>
+      </inkml:inkSource>
+      <inkml:timestamp xml:id="ts0" timeString="2024-10-10T02:21:31.100"/>
+    </inkml:context>
+    <inkml:brush xml:id="br0">
+      <inkml:brushProperty name="width" value="0.2" units="cm"/>
+      <inkml:brushProperty name="height" value="0.4" units="cm"/>
+      <inkml:brushProperty name="color" value="#00FF00"/>
+      <inkml:brushProperty name="tip" value="rectangle"/>
+      <inkml:brushProperty name="rasterOp" value="maskPen"/>
+    </inkml:brush>
+  </inkml:definitions>
+  <inkml:trace contextRef="#ctx0" brushRef="#br0">0 0 0,'158'0'110,"-31"0"-110,127 0 15,32 0-15,95 0 16,254 0-16,159 0 15,63 0-15,-349 0 16</inkml:trace>
+</inkml:ink>
+</file>
+
+<file path=ppt/ink/ink25.xml><?xml version="1.0" encoding="utf-8"?>
+<inkml:ink xmlns:inkml="http://www.w3.org/2003/InkML">
+  <inkml:definitions>
+    <inkml:context xml:id="ctx0">
+      <inkml:inkSource xml:id="inkSrc0">
+        <inkml:traceFormat>
+          <inkml:channel name="X" type="integer" max="1920" units="cm"/>
+          <inkml:channel name="Y" type="integer" max="1080" units="cm"/>
+          <inkml:channel name="T" type="integer" max="2.14748E9" units="dev"/>
+        </inkml:traceFormat>
+        <inkml:channelProperties>
+          <inkml:channelProperty channel="X" name="resolution" value="36.43264" units="1/cm"/>
+          <inkml:channelProperty channel="Y" name="resolution" value="36.48649" units="1/cm"/>
+          <inkml:channelProperty channel="T" name="resolution" value="1" units="1/dev"/>
+        </inkml:channelProperties>
+      </inkml:inkSource>
+      <inkml:timestamp xml:id="ts0" timeString="2024-10-10T02:21:38.788"/>
+    </inkml:context>
+    <inkml:brush xml:id="br0">
+      <inkml:brushProperty name="width" value="0.2" units="cm"/>
+      <inkml:brushProperty name="height" value="0.4" units="cm"/>
+      <inkml:brushProperty name="color" value="#00FF00"/>
+      <inkml:brushProperty name="tip" value="rectangle"/>
+      <inkml:brushProperty name="rasterOp" value="maskPen"/>
+    </inkml:brush>
+  </inkml:definitions>
+  <inkml:trace contextRef="#ctx0" brushRef="#br0">0 0 0,'123'0'110,"-24"0"-110,98 0 15,25 0-15,75 0 16,196 0-16,125 0 15,48 0-15,-271 0 16</inkml:trace>
+</inkml:ink>
+</file>
+
+<file path=ppt/ink/ink3.xml><?xml version="1.0" encoding="utf-8"?>
+<inkml:ink xmlns:inkml="http://www.w3.org/2003/InkML">
+  <inkml:definitions>
+    <inkml:context xml:id="ctx0">
+      <inkml:inkSource xml:id="inkSrc0">
+        <inkml:traceFormat>
+          <inkml:channel name="X" type="integer" max="1920" units="cm"/>
+          <inkml:channel name="Y" type="integer" max="1080" units="cm"/>
+          <inkml:channel name="T" type="integer" max="2.14748E9" units="dev"/>
+        </inkml:traceFormat>
+        <inkml:channelProperties>
+          <inkml:channelProperty channel="X" name="resolution" value="36.43264" units="1/cm"/>
+          <inkml:channelProperty channel="Y" name="resolution" value="36.48649" units="1/cm"/>
+          <inkml:channelProperty channel="T" name="resolution" value="1" units="1/dev"/>
+        </inkml:channelProperties>
+      </inkml:inkSource>
+      <inkml:timestamp xml:id="ts0" timeString="2024-10-10T02:17:09.929"/>
+    </inkml:context>
+    <inkml:brush xml:id="br0">
+      <inkml:brushProperty name="width" value="0.2" units="cm"/>
+      <inkml:brushProperty name="height" value="0.4" units="cm"/>
+      <inkml:brushProperty name="color" value="#00FF00"/>
+      <inkml:brushProperty name="tip" value="rectangle"/>
+      <inkml:brushProperty name="rasterOp" value="maskPen"/>
+    </inkml:brush>
+  </inkml:definitions>
+  <inkml:trace contextRef="#ctx0" brushRef="#br0">0 0 0,'89'0'110,"-17"0"-110,71 0 15,18 0-15,53 0 16,144 0-16,89 0 15,36 0-15,-197 0 16</inkml:trace>
+</inkml:ink>
+</file>
+
+<file path=ppt/ink/ink4.xml><?xml version="1.0" encoding="utf-8"?>
+<inkml:ink xmlns:inkml="http://www.w3.org/2003/InkML">
+  <inkml:definitions>
+    <inkml:context xml:id="ctx0">
+      <inkml:inkSource xml:id="inkSrc0">
+        <inkml:traceFormat>
+          <inkml:channel name="X" type="integer" max="1920" units="cm"/>
+          <inkml:channel name="Y" type="integer" max="1080" units="cm"/>
+          <inkml:channel name="T" type="integer" max="2.14748E9" units="dev"/>
+        </inkml:traceFormat>
+        <inkml:channelProperties>
+          <inkml:channelProperty channel="X" name="resolution" value="36.43264" units="1/cm"/>
+          <inkml:channelProperty channel="Y" name="resolution" value="36.48649" units="1/cm"/>
+          <inkml:channelProperty channel="T" name="resolution" value="1" units="1/dev"/>
+        </inkml:channelProperties>
+      </inkml:inkSource>
+      <inkml:timestamp xml:id="ts0" timeString="2024-10-10T02:17:30.527"/>
+    </inkml:context>
+    <inkml:brush xml:id="br0">
+      <inkml:brushProperty name="width" value="0.2" units="cm"/>
+      <inkml:brushProperty name="height" value="0.4" units="cm"/>
+      <inkml:brushProperty name="color" value="#00FF00"/>
+      <inkml:brushProperty name="tip" value="rectangle"/>
+      <inkml:brushProperty name="rasterOp" value="maskPen"/>
+    </inkml:brush>
+  </inkml:definitions>
+  <inkml:trace contextRef="#ctx0" brushRef="#br0">0 0 0,'594'0'110,"-116"0"-110,477 0 15,121 0-15,357 0 16,956 0-16,597 0 15,237 0-15,-1312 0 16</inkml:trace>
+</inkml:ink>
+</file>
+
+<file path=ppt/ink/ink5.xml><?xml version="1.0" encoding="utf-8"?>
+<inkml:ink xmlns:inkml="http://www.w3.org/2003/InkML">
+  <inkml:definitions>
+    <inkml:context xml:id="ctx0">
+      <inkml:inkSource xml:id="inkSrc0">
+        <inkml:traceFormat>
+          <inkml:channel name="X" type="integer" max="1920" units="cm"/>
+          <inkml:channel name="Y" type="integer" max="1080" units="cm"/>
+          <inkml:channel name="T" type="integer" max="2.14748E9" units="dev"/>
+        </inkml:traceFormat>
+        <inkml:channelProperties>
+          <inkml:channelProperty channel="X" name="resolution" value="36.43264" units="1/cm"/>
+          <inkml:channelProperty channel="Y" name="resolution" value="36.48649" units="1/cm"/>
+          <inkml:channelProperty channel="T" name="resolution" value="1" units="1/dev"/>
+        </inkml:channelProperties>
+      </inkml:inkSource>
+      <inkml:timestamp xml:id="ts0" timeString="2024-10-10T02:17:39.213"/>
+    </inkml:context>
+    <inkml:brush xml:id="br0">
+      <inkml:brushProperty name="width" value="0.2" units="cm"/>
+      <inkml:brushProperty name="height" value="0.4" units="cm"/>
+      <inkml:brushProperty name="color" value="#00FF00"/>
+      <inkml:brushProperty name="tip" value="rectangle"/>
+      <inkml:brushProperty name="rasterOp" value="maskPen"/>
+    </inkml:brush>
+  </inkml:definitions>
+  <inkml:trace contextRef="#ctx0" brushRef="#br0">0 0 0,'696'0'110,"-137"0"-110,560 0 15,140 0-15,419 0 16,1119 0-16,700 0 15,277 0-15,-1537 0 16</inkml:trace>
+</inkml:ink>
+</file>
+
+<file path=ppt/ink/ink6.xml><?xml version="1.0" encoding="utf-8"?>
+<inkml:ink xmlns:inkml="http://www.w3.org/2003/InkML">
+  <inkml:definitions>
+    <inkml:context xml:id="ctx0">
+      <inkml:inkSource xml:id="inkSrc0">
+        <inkml:traceFormat>
+          <inkml:channel name="X" type="integer" max="1920" units="cm"/>
+          <inkml:channel name="Y" type="integer" max="1080" units="cm"/>
+          <inkml:channel name="T" type="integer" max="2.14748E9" units="dev"/>
+        </inkml:traceFormat>
+        <inkml:channelProperties>
+          <inkml:channelProperty channel="X" name="resolution" value="36.43264" units="1/cm"/>
+          <inkml:channelProperty channel="Y" name="resolution" value="36.48649" units="1/cm"/>
+          <inkml:channelProperty channel="T" name="resolution" value="1" units="1/dev"/>
+        </inkml:channelProperties>
+      </inkml:inkSource>
+      <inkml:timestamp xml:id="ts0" timeString="2024-10-10T02:18:08.744"/>
+    </inkml:context>
+    <inkml:brush xml:id="br0">
+      <inkml:brushProperty name="width" value="0.2" units="cm"/>
+      <inkml:brushProperty name="height" value="0.4" units="cm"/>
+      <inkml:brushProperty name="color" value="#00FF00"/>
+      <inkml:brushProperty name="tip" value="rectangle"/>
+      <inkml:brushProperty name="rasterOp" value="maskPen"/>
+    </inkml:brush>
+  </inkml:definitions>
+  <inkml:trace contextRef="#ctx0" brushRef="#br0">0 0 0,'158'0'110,"-31"0"-110,127 0 15,32 0-15,95 0 16,254 0-16,159 0 15,63 0-15,-349 0 16</inkml:trace>
+</inkml:ink>
+</file>
+
+<file path=ppt/ink/ink7.xml><?xml version="1.0" encoding="utf-8"?>
+<inkml:ink xmlns:inkml="http://www.w3.org/2003/InkML">
+  <inkml:definitions>
+    <inkml:context xml:id="ctx0">
+      <inkml:inkSource xml:id="inkSrc0">
+        <inkml:traceFormat>
+          <inkml:channel name="X" type="integer" max="1920" units="cm"/>
+          <inkml:channel name="Y" type="integer" max="1080" units="cm"/>
+          <inkml:channel name="T" type="integer" max="2.14748E9" units="dev"/>
+        </inkml:traceFormat>
+        <inkml:channelProperties>
+          <inkml:channelProperty channel="X" name="resolution" value="36.43264" units="1/cm"/>
+          <inkml:channelProperty channel="Y" name="resolution" value="36.48649" units="1/cm"/>
+          <inkml:channelProperty channel="T" name="resolution" value="1" units="1/dev"/>
+        </inkml:channelProperties>
+      </inkml:inkSource>
+      <inkml:timestamp xml:id="ts0" timeString="2024-10-10T02:18:15.091"/>
+    </inkml:context>
+    <inkml:brush xml:id="br0">
+      <inkml:brushProperty name="width" value="0.2" units="cm"/>
+      <inkml:brushProperty name="height" value="0.4" units="cm"/>
+      <inkml:brushProperty name="color" value="#00FF00"/>
+      <inkml:brushProperty name="tip" value="rectangle"/>
+      <inkml:brushProperty name="rasterOp" value="maskPen"/>
+    </inkml:brush>
+  </inkml:definitions>
+  <inkml:trace contextRef="#ctx0" brushRef="#br0">0 0 0,'158'0'110,"-31"0"-110,127 0 15,32 0-15,95 0 16,254 0-16,159 0 15,63 0-15,-349 0 16</inkml:trace>
+</inkml:ink>
+</file>
+
+<file path=ppt/ink/ink8.xml><?xml version="1.0" encoding="utf-8"?>
+<inkml:ink xmlns:inkml="http://www.w3.org/2003/InkML">
+  <inkml:definitions>
+    <inkml:context xml:id="ctx0">
+      <inkml:inkSource xml:id="inkSrc0">
+        <inkml:traceFormat>
+          <inkml:channel name="X" type="integer" max="1920" units="cm"/>
+          <inkml:channel name="Y" type="integer" max="1080" units="cm"/>
+          <inkml:channel name="T" type="integer" max="2.14748E9" units="dev"/>
+        </inkml:traceFormat>
+        <inkml:channelProperties>
+          <inkml:channelProperty channel="X" name="resolution" value="36.43264" units="1/cm"/>
+          <inkml:channelProperty channel="Y" name="resolution" value="36.48649" units="1/cm"/>
+          <inkml:channelProperty channel="T" name="resolution" value="1" units="1/dev"/>
+        </inkml:channelProperties>
+      </inkml:inkSource>
+      <inkml:timestamp xml:id="ts0" timeString="2024-10-10T02:18:42.898"/>
+    </inkml:context>
+    <inkml:brush xml:id="br0">
+      <inkml:brushProperty name="width" value="0.2" units="cm"/>
+      <inkml:brushProperty name="height" value="0.4" units="cm"/>
+      <inkml:brushProperty name="color" value="#00FF00"/>
+      <inkml:brushProperty name="tip" value="rectangle"/>
+      <inkml:brushProperty name="rasterOp" value="maskPen"/>
+    </inkml:brush>
+  </inkml:definitions>
+  <inkml:trace contextRef="#ctx0" brushRef="#br0">0 0 0,'324'0'110,"-63"0"-110,260 0 15,66 0-15,195 0 16,520 0-16,328 0 15,128 0-15,-716 0 16</inkml:trace>
+</inkml:ink>
+</file>
+
+<file path=ppt/ink/ink9.xml><?xml version="1.0" encoding="utf-8"?>
+<inkml:ink xmlns:inkml="http://www.w3.org/2003/InkML">
+  <inkml:definitions>
+    <inkml:context xml:id="ctx0">
+      <inkml:inkSource xml:id="inkSrc0">
+        <inkml:traceFormat>
+          <inkml:channel name="X" type="integer" max="1920" units="cm"/>
+          <inkml:channel name="Y" type="integer" max="1080" units="cm"/>
+          <inkml:channel name="T" type="integer" max="2.14748E9" units="dev"/>
+        </inkml:traceFormat>
+        <inkml:channelProperties>
+          <inkml:channelProperty channel="X" name="resolution" value="36.43264" units="1/cm"/>
+          <inkml:channelProperty channel="Y" name="resolution" value="36.48649" units="1/cm"/>
+          <inkml:channelProperty channel="T" name="resolution" value="1" units="1/dev"/>
+        </inkml:channelProperties>
+      </inkml:inkSource>
+      <inkml:timestamp xml:id="ts0" timeString="2024-10-10T02:18:56.216"/>
+    </inkml:context>
+    <inkml:brush xml:id="br0">
+      <inkml:brushProperty name="width" value="0.2" units="cm"/>
+      <inkml:brushProperty name="height" value="0.4" units="cm"/>
+      <inkml:brushProperty name="color" value="#00FF00"/>
+      <inkml:brushProperty name="tip" value="rectangle"/>
+      <inkml:brushProperty name="rasterOp" value="maskPen"/>
+    </inkml:brush>
+  </inkml:definitions>
+  <inkml:trace contextRef="#ctx0" brushRef="#br0">0 0 0,'236'0'110,"-46"0"-110,190 0 15,48 0-15,142 0 16,379 0-16,239 0 15,93 0-15,-521 0 16</inkml:trace>
 </inkml:ink>
 </file>
 
@@ -6851,6 +7391,108 @@
           </a:p>
         </p:txBody>
       </p:sp>
+      <mc:AlternateContent xmlns:mc="http://schemas.openxmlformats.org/markup-compatibility/2006">
+        <mc:Choice xmlns:p14="http://schemas.microsoft.com/office/powerpoint/2010/main" Requires="p14">
+          <p:contentPart p14:bwMode="auto" r:id="rId5">
+            <p14:nvContentPartPr>
+              <p14:cNvPr id="8" name="잉크 7">
+                <a:extLst>
+                  <a:ext uri="{FF2B5EF4-FFF2-40B4-BE49-F238E27FC236}">
+                    <a16:creationId xmlns:a16="http://schemas.microsoft.com/office/drawing/2014/main" id="{AEF24B1F-B6D5-40F7-A6D0-B4667CD5A59D}"/>
+                  </a:ext>
+                </a:extLst>
+              </p14:cNvPr>
+              <p14:cNvContentPartPr/>
+              <p14:nvPr/>
+            </p14:nvContentPartPr>
+            <p14:xfrm>
+              <a:off x="5630458" y="4959347"/>
+              <a:ext cx="667472" cy="360"/>
+            </p14:xfrm>
+          </p:contentPart>
+        </mc:Choice>
+        <mc:Fallback>
+          <p:pic>
+            <p:nvPicPr>
+              <p:cNvPr id="8" name="잉크 7">
+                <a:extLst>
+                  <a:ext uri="{FF2B5EF4-FFF2-40B4-BE49-F238E27FC236}">
+                    <a16:creationId xmlns:a16="http://schemas.microsoft.com/office/drawing/2014/main" id="{AEF24B1F-B6D5-40F7-A6D0-B4667CD5A59D}"/>
+                  </a:ext>
+                </a:extLst>
+              </p:cNvPr>
+              <p:cNvPicPr/>
+              <p:nvPr/>
+            </p:nvPicPr>
+            <p:blipFill>
+              <a:blip r:embed="rId6"/>
+              <a:stretch>
+                <a:fillRect/>
+              </a:stretch>
+            </p:blipFill>
+            <p:spPr>
+              <a:xfrm>
+                <a:off x="5594476" y="4887347"/>
+                <a:ext cx="739077" cy="144000"/>
+              </a:xfrm>
+              <a:prstGeom prst="rect">
+                <a:avLst/>
+              </a:prstGeom>
+            </p:spPr>
+          </p:pic>
+        </mc:Fallback>
+      </mc:AlternateContent>
+      <mc:AlternateContent xmlns:mc="http://schemas.openxmlformats.org/markup-compatibility/2006">
+        <mc:Choice xmlns:p14="http://schemas.microsoft.com/office/powerpoint/2010/main" Requires="p14">
+          <p:contentPart p14:bwMode="auto" r:id="rId7">
+            <p14:nvContentPartPr>
+              <p14:cNvPr id="12" name="잉크 11">
+                <a:extLst>
+                  <a:ext uri="{FF2B5EF4-FFF2-40B4-BE49-F238E27FC236}">
+                    <a16:creationId xmlns:a16="http://schemas.microsoft.com/office/drawing/2014/main" id="{16E602F3-CB27-4939-92C0-FA3E94AE0EF3}"/>
+                  </a:ext>
+                </a:extLst>
+              </p14:cNvPr>
+              <p14:cNvContentPartPr/>
+              <p14:nvPr/>
+            </p14:nvContentPartPr>
+            <p14:xfrm>
+              <a:off x="6242099" y="4727975"/>
+              <a:ext cx="254544" cy="360"/>
+            </p14:xfrm>
+          </p:contentPart>
+        </mc:Choice>
+        <mc:Fallback>
+          <p:pic>
+            <p:nvPicPr>
+              <p:cNvPr id="12" name="잉크 11">
+                <a:extLst>
+                  <a:ext uri="{FF2B5EF4-FFF2-40B4-BE49-F238E27FC236}">
+                    <a16:creationId xmlns:a16="http://schemas.microsoft.com/office/drawing/2014/main" id="{16E602F3-CB27-4939-92C0-FA3E94AE0EF3}"/>
+                  </a:ext>
+                </a:extLst>
+              </p:cNvPr>
+              <p:cNvPicPr/>
+              <p:nvPr/>
+            </p:nvPicPr>
+            <p:blipFill>
+              <a:blip r:embed="rId8"/>
+              <a:stretch>
+                <a:fillRect/>
+              </a:stretch>
+            </p:blipFill>
+            <p:spPr>
+              <a:xfrm>
+                <a:off x="6206146" y="4655975"/>
+                <a:ext cx="326090" cy="144000"/>
+              </a:xfrm>
+              <a:prstGeom prst="rect">
+                <a:avLst/>
+              </a:prstGeom>
+            </p:spPr>
+          </p:pic>
+        </mc:Fallback>
+      </mc:AlternateContent>
     </p:spTree>
     <p:extLst>
       <p:ext uri="{BB962C8B-B14F-4D97-AF65-F5344CB8AC3E}">
@@ -8128,6 +8770,57 @@
           </a:fontRef>
         </p:style>
       </p:cxnSp>
+      <mc:AlternateContent xmlns:mc="http://schemas.openxmlformats.org/markup-compatibility/2006">
+        <mc:Choice xmlns:p14="http://schemas.microsoft.com/office/powerpoint/2010/main" Requires="p14">
+          <p:contentPart p14:bwMode="auto" r:id="rId5">
+            <p14:nvContentPartPr>
+              <p14:cNvPr id="8" name="잉크 7">
+                <a:extLst>
+                  <a:ext uri="{FF2B5EF4-FFF2-40B4-BE49-F238E27FC236}">
+                    <a16:creationId xmlns:a16="http://schemas.microsoft.com/office/drawing/2014/main" id="{95A4001A-B88A-4C65-8CA2-FBB59684E52F}"/>
+                  </a:ext>
+                </a:extLst>
+              </p14:cNvPr>
+              <p14:cNvContentPartPr/>
+              <p14:nvPr/>
+            </p14:nvContentPartPr>
+            <p14:xfrm>
+              <a:off x="5635858" y="5610086"/>
+              <a:ext cx="1440360" cy="360"/>
+            </p14:xfrm>
+          </p:contentPart>
+        </mc:Choice>
+        <mc:Fallback>
+          <p:pic>
+            <p:nvPicPr>
+              <p:cNvPr id="8" name="잉크 7">
+                <a:extLst>
+                  <a:ext uri="{FF2B5EF4-FFF2-40B4-BE49-F238E27FC236}">
+                    <a16:creationId xmlns:a16="http://schemas.microsoft.com/office/drawing/2014/main" id="{95A4001A-B88A-4C65-8CA2-FBB59684E52F}"/>
+                  </a:ext>
+                </a:extLst>
+              </p:cNvPr>
+              <p:cNvPicPr/>
+              <p:nvPr/>
+            </p:nvPicPr>
+            <p:blipFill>
+              <a:blip r:embed="rId6"/>
+              <a:stretch>
+                <a:fillRect/>
+              </a:stretch>
+            </p:blipFill>
+            <p:spPr>
+              <a:xfrm>
+                <a:off x="5599858" y="5538086"/>
+                <a:ext cx="1512000" cy="144000"/>
+              </a:xfrm>
+              <a:prstGeom prst="rect">
+                <a:avLst/>
+              </a:prstGeom>
+            </p:spPr>
+          </p:pic>
+        </mc:Fallback>
+      </mc:AlternateContent>
     </p:spTree>
     <p:extLst>
       <p:ext uri="{BB962C8B-B14F-4D97-AF65-F5344CB8AC3E}">
@@ -9096,6 +9789,108 @@
           </a:p>
         </p:txBody>
       </p:sp>
+      <mc:AlternateContent xmlns:mc="http://schemas.openxmlformats.org/markup-compatibility/2006">
+        <mc:Choice xmlns:p14="http://schemas.microsoft.com/office/powerpoint/2010/main" Requires="p14">
+          <p:contentPart p14:bwMode="auto" r:id="rId4">
+            <p14:nvContentPartPr>
+              <p14:cNvPr id="9" name="잉크 8">
+                <a:extLst>
+                  <a:ext uri="{FF2B5EF4-FFF2-40B4-BE49-F238E27FC236}">
+                    <a16:creationId xmlns:a16="http://schemas.microsoft.com/office/drawing/2014/main" id="{EDEA3C90-C271-4280-9897-EEE6B2DBA882}"/>
+                  </a:ext>
+                </a:extLst>
+              </p14:cNvPr>
+              <p14:cNvContentPartPr/>
+              <p14:nvPr/>
+            </p14:nvContentPartPr>
+            <p14:xfrm>
+              <a:off x="6194067" y="2801665"/>
+              <a:ext cx="1322181" cy="360"/>
+            </p14:xfrm>
+          </p:contentPart>
+        </mc:Choice>
+        <mc:Fallback>
+          <p:pic>
+            <p:nvPicPr>
+              <p:cNvPr id="9" name="잉크 8">
+                <a:extLst>
+                  <a:ext uri="{FF2B5EF4-FFF2-40B4-BE49-F238E27FC236}">
+                    <a16:creationId xmlns:a16="http://schemas.microsoft.com/office/drawing/2014/main" id="{EDEA3C90-C271-4280-9897-EEE6B2DBA882}"/>
+                  </a:ext>
+                </a:extLst>
+              </p:cNvPr>
+              <p:cNvPicPr/>
+              <p:nvPr/>
+            </p:nvPicPr>
+            <p:blipFill>
+              <a:blip r:embed="rId5"/>
+              <a:stretch>
+                <a:fillRect/>
+              </a:stretch>
+            </p:blipFill>
+            <p:spPr>
+              <a:xfrm>
+                <a:off x="6158070" y="2729665"/>
+                <a:ext cx="1393816" cy="144000"/>
+              </a:xfrm>
+              <a:prstGeom prst="rect">
+                <a:avLst/>
+              </a:prstGeom>
+            </p:spPr>
+          </p:pic>
+        </mc:Fallback>
+      </mc:AlternateContent>
+      <mc:AlternateContent xmlns:mc="http://schemas.openxmlformats.org/markup-compatibility/2006">
+        <mc:Choice xmlns:p14="http://schemas.microsoft.com/office/powerpoint/2010/main" Requires="p14">
+          <p:contentPart p14:bwMode="auto" r:id="rId6">
+            <p14:nvContentPartPr>
+              <p14:cNvPr id="10" name="잉크 9">
+                <a:extLst>
+                  <a:ext uri="{FF2B5EF4-FFF2-40B4-BE49-F238E27FC236}">
+                    <a16:creationId xmlns:a16="http://schemas.microsoft.com/office/drawing/2014/main" id="{261169F2-22FD-4B72-98FB-6D3D41AE214B}"/>
+                  </a:ext>
+                </a:extLst>
+              </p14:cNvPr>
+              <p14:cNvContentPartPr/>
+              <p14:nvPr/>
+            </p14:nvContentPartPr>
+            <p14:xfrm>
+              <a:off x="7712639" y="2801665"/>
+              <a:ext cx="1440360" cy="360"/>
+            </p14:xfrm>
+          </p:contentPart>
+        </mc:Choice>
+        <mc:Fallback>
+          <p:pic>
+            <p:nvPicPr>
+              <p:cNvPr id="10" name="잉크 9">
+                <a:extLst>
+                  <a:ext uri="{FF2B5EF4-FFF2-40B4-BE49-F238E27FC236}">
+                    <a16:creationId xmlns:a16="http://schemas.microsoft.com/office/drawing/2014/main" id="{261169F2-22FD-4B72-98FB-6D3D41AE214B}"/>
+                  </a:ext>
+                </a:extLst>
+              </p:cNvPr>
+              <p:cNvPicPr/>
+              <p:nvPr/>
+            </p:nvPicPr>
+            <p:blipFill>
+              <a:blip r:embed="rId7"/>
+              <a:stretch>
+                <a:fillRect/>
+              </a:stretch>
+            </p:blipFill>
+            <p:spPr>
+              <a:xfrm>
+                <a:off x="7676639" y="2729665"/>
+                <a:ext cx="1512000" cy="144000"/>
+              </a:xfrm>
+              <a:prstGeom prst="rect">
+                <a:avLst/>
+              </a:prstGeom>
+            </p:spPr>
+          </p:pic>
+        </mc:Fallback>
+      </mc:AlternateContent>
     </p:spTree>
     <p:extLst>
       <p:ext uri="{BB962C8B-B14F-4D97-AF65-F5344CB8AC3E}">
@@ -9726,6 +10521,108 @@
           </a:fontRef>
         </p:style>
       </p:cxnSp>
+      <mc:AlternateContent xmlns:mc="http://schemas.openxmlformats.org/markup-compatibility/2006">
+        <mc:Choice xmlns:p14="http://schemas.microsoft.com/office/powerpoint/2010/main" Requires="p14">
+          <p:contentPart p14:bwMode="auto" r:id="rId3">
+            <p14:nvContentPartPr>
+              <p14:cNvPr id="10" name="잉크 9">
+                <a:extLst>
+                  <a:ext uri="{FF2B5EF4-FFF2-40B4-BE49-F238E27FC236}">
+                    <a16:creationId xmlns:a16="http://schemas.microsoft.com/office/drawing/2014/main" id="{DA65045A-9931-4515-BD1D-B92EDAAB13CC}"/>
+                  </a:ext>
+                </a:extLst>
+              </p14:cNvPr>
+              <p14:cNvContentPartPr/>
+              <p14:nvPr/>
+            </p14:nvContentPartPr>
+            <p14:xfrm>
+              <a:off x="7637983" y="2440688"/>
+              <a:ext cx="672566" cy="360"/>
+            </p14:xfrm>
+          </p:contentPart>
+        </mc:Choice>
+        <mc:Fallback>
+          <p:pic>
+            <p:nvPicPr>
+              <p:cNvPr id="10" name="잉크 9">
+                <a:extLst>
+                  <a:ext uri="{FF2B5EF4-FFF2-40B4-BE49-F238E27FC236}">
+                    <a16:creationId xmlns:a16="http://schemas.microsoft.com/office/drawing/2014/main" id="{DA65045A-9931-4515-BD1D-B92EDAAB13CC}"/>
+                  </a:ext>
+                </a:extLst>
+              </p:cNvPr>
+              <p:cNvPicPr/>
+              <p:nvPr/>
+            </p:nvPicPr>
+            <p:blipFill>
+              <a:blip r:embed="rId4"/>
+              <a:stretch>
+                <a:fillRect/>
+              </a:stretch>
+            </p:blipFill>
+            <p:spPr>
+              <a:xfrm>
+                <a:off x="7601998" y="2368688"/>
+                <a:ext cx="744177" cy="144000"/>
+              </a:xfrm>
+              <a:prstGeom prst="rect">
+                <a:avLst/>
+              </a:prstGeom>
+            </p:spPr>
+          </p:pic>
+        </mc:Fallback>
+      </mc:AlternateContent>
+      <mc:AlternateContent xmlns:mc="http://schemas.openxmlformats.org/markup-compatibility/2006">
+        <mc:Choice xmlns:p14="http://schemas.microsoft.com/office/powerpoint/2010/main" Requires="p14">
+          <p:contentPart p14:bwMode="auto" r:id="rId5">
+            <p14:nvContentPartPr>
+              <p14:cNvPr id="11" name="잉크 10">
+                <a:extLst>
+                  <a:ext uri="{FF2B5EF4-FFF2-40B4-BE49-F238E27FC236}">
+                    <a16:creationId xmlns:a16="http://schemas.microsoft.com/office/drawing/2014/main" id="{9605C991-3825-4AF2-B63B-49F9BB3DC748}"/>
+                  </a:ext>
+                </a:extLst>
+              </p14:cNvPr>
+              <p14:cNvContentPartPr/>
+              <p14:nvPr/>
+            </p14:nvContentPartPr>
+            <p14:xfrm>
+              <a:off x="6470323" y="4803125"/>
+              <a:ext cx="1440360" cy="360"/>
+            </p14:xfrm>
+          </p:contentPart>
+        </mc:Choice>
+        <mc:Fallback>
+          <p:pic>
+            <p:nvPicPr>
+              <p:cNvPr id="11" name="잉크 10">
+                <a:extLst>
+                  <a:ext uri="{FF2B5EF4-FFF2-40B4-BE49-F238E27FC236}">
+                    <a16:creationId xmlns:a16="http://schemas.microsoft.com/office/drawing/2014/main" id="{9605C991-3825-4AF2-B63B-49F9BB3DC748}"/>
+                  </a:ext>
+                </a:extLst>
+              </p:cNvPr>
+              <p:cNvPicPr/>
+              <p:nvPr/>
+            </p:nvPicPr>
+            <p:blipFill>
+              <a:blip r:embed="rId6"/>
+              <a:stretch>
+                <a:fillRect/>
+              </a:stretch>
+            </p:blipFill>
+            <p:spPr>
+              <a:xfrm>
+                <a:off x="6434323" y="4731125"/>
+                <a:ext cx="1512000" cy="144000"/>
+              </a:xfrm>
+              <a:prstGeom prst="rect">
+                <a:avLst/>
+              </a:prstGeom>
+            </p:spPr>
+          </p:pic>
+        </mc:Fallback>
+      </mc:AlternateContent>
     </p:spTree>
     <p:extLst>
       <p:ext uri="{BB962C8B-B14F-4D97-AF65-F5344CB8AC3E}">
@@ -9819,10 +10716,6 @@
               </a:rPr>
               <a:t>개선 및 추가한 기능</a:t>
             </a:r>
-            <a:endParaRPr lang="en-US" altLang="ko-KR" sz="4000" dirty="0">
-              <a:latin typeface="HY견고딕" panose="02030600000101010101" pitchFamily="18" charset="-127"/>
-              <a:ea typeface="HY견고딕" panose="02030600000101010101" pitchFamily="18" charset="-127"/>
-            </a:endParaRPr>
           </a:p>
           <a:p>
             <a:r>
@@ -10042,6 +10935,57 @@
           </a:p>
         </p:txBody>
       </p:sp>
+      <mc:AlternateContent xmlns:mc="http://schemas.openxmlformats.org/markup-compatibility/2006">
+        <mc:Choice xmlns:p14="http://schemas.microsoft.com/office/powerpoint/2010/main" Requires="p14">
+          <p:contentPart p14:bwMode="auto" r:id="rId3">
+            <p14:nvContentPartPr>
+              <p14:cNvPr id="7" name="잉크 6">
+                <a:extLst>
+                  <a:ext uri="{FF2B5EF4-FFF2-40B4-BE49-F238E27FC236}">
+                    <a16:creationId xmlns:a16="http://schemas.microsoft.com/office/drawing/2014/main" id="{C5783B65-68C6-4386-B10C-4EEDF7FB8712}"/>
+                  </a:ext>
+                </a:extLst>
+              </p14:cNvPr>
+              <p14:cNvContentPartPr/>
+              <p14:nvPr/>
+            </p14:nvContentPartPr>
+            <p14:xfrm>
+              <a:off x="7804372" y="3172539"/>
+              <a:ext cx="1119960" cy="360"/>
+            </p14:xfrm>
+          </p:contentPart>
+        </mc:Choice>
+        <mc:Fallback>
+          <p:pic>
+            <p:nvPicPr>
+              <p:cNvPr id="7" name="잉크 6">
+                <a:extLst>
+                  <a:ext uri="{FF2B5EF4-FFF2-40B4-BE49-F238E27FC236}">
+                    <a16:creationId xmlns:a16="http://schemas.microsoft.com/office/drawing/2014/main" id="{C5783B65-68C6-4386-B10C-4EEDF7FB8712}"/>
+                  </a:ext>
+                </a:extLst>
+              </p:cNvPr>
+              <p:cNvPicPr/>
+              <p:nvPr/>
+            </p:nvPicPr>
+            <p:blipFill>
+              <a:blip r:embed="rId4"/>
+              <a:stretch>
+                <a:fillRect/>
+              </a:stretch>
+            </p:blipFill>
+            <p:spPr>
+              <a:xfrm>
+                <a:off x="7768372" y="3100539"/>
+                <a:ext cx="1191600" cy="144000"/>
+              </a:xfrm>
+              <a:prstGeom prst="rect">
+                <a:avLst/>
+              </a:prstGeom>
+            </p:spPr>
+          </p:pic>
+        </mc:Fallback>
+      </mc:AlternateContent>
     </p:spTree>
     <p:extLst>
       <p:ext uri="{BB962C8B-B14F-4D97-AF65-F5344CB8AC3E}">
@@ -10976,6 +11920,108 @@
           </a:p>
         </p:txBody>
       </p:sp>
+      <mc:AlternateContent xmlns:mc="http://schemas.openxmlformats.org/markup-compatibility/2006">
+        <mc:Choice xmlns:p14="http://schemas.microsoft.com/office/powerpoint/2010/main" Requires="p14">
+          <p:contentPart p14:bwMode="auto" r:id="rId4">
+            <p14:nvContentPartPr>
+              <p14:cNvPr id="12" name="잉크 11">
+                <a:extLst>
+                  <a:ext uri="{FF2B5EF4-FFF2-40B4-BE49-F238E27FC236}">
+                    <a16:creationId xmlns:a16="http://schemas.microsoft.com/office/drawing/2014/main" id="{183FC706-4A82-462D-B731-D4171850383C}"/>
+                  </a:ext>
+                </a:extLst>
+              </p14:cNvPr>
+              <p14:cNvContentPartPr/>
+              <p14:nvPr/>
+            </p14:nvContentPartPr>
+            <p14:xfrm>
+              <a:off x="1257480" y="4477366"/>
+              <a:ext cx="1440360" cy="360"/>
+            </p14:xfrm>
+          </p:contentPart>
+        </mc:Choice>
+        <mc:Fallback>
+          <p:pic>
+            <p:nvPicPr>
+              <p:cNvPr id="12" name="잉크 11">
+                <a:extLst>
+                  <a:ext uri="{FF2B5EF4-FFF2-40B4-BE49-F238E27FC236}">
+                    <a16:creationId xmlns:a16="http://schemas.microsoft.com/office/drawing/2014/main" id="{183FC706-4A82-462D-B731-D4171850383C}"/>
+                  </a:ext>
+                </a:extLst>
+              </p:cNvPr>
+              <p:cNvPicPr/>
+              <p:nvPr/>
+            </p:nvPicPr>
+            <p:blipFill>
+              <a:blip r:embed="rId5"/>
+              <a:stretch>
+                <a:fillRect/>
+              </a:stretch>
+            </p:blipFill>
+            <p:spPr>
+              <a:xfrm>
+                <a:off x="1221480" y="4405366"/>
+                <a:ext cx="1512000" cy="144000"/>
+              </a:xfrm>
+              <a:prstGeom prst="rect">
+                <a:avLst/>
+              </a:prstGeom>
+            </p:spPr>
+          </p:pic>
+        </mc:Fallback>
+      </mc:AlternateContent>
+      <mc:AlternateContent xmlns:mc="http://schemas.openxmlformats.org/markup-compatibility/2006">
+        <mc:Choice xmlns:p14="http://schemas.microsoft.com/office/powerpoint/2010/main" Requires="p14">
+          <p:contentPart p14:bwMode="auto" r:id="rId6">
+            <p14:nvContentPartPr>
+              <p14:cNvPr id="16" name="잉크 15">
+                <a:extLst>
+                  <a:ext uri="{FF2B5EF4-FFF2-40B4-BE49-F238E27FC236}">
+                    <a16:creationId xmlns:a16="http://schemas.microsoft.com/office/drawing/2014/main" id="{E20C7A2F-E3E1-477A-B6D1-2EAFDED15AD5}"/>
+                  </a:ext>
+                </a:extLst>
+              </p14:cNvPr>
+              <p14:cNvContentPartPr/>
+              <p14:nvPr/>
+            </p14:nvContentPartPr>
+            <p14:xfrm>
+              <a:off x="1257480" y="4310459"/>
+              <a:ext cx="1440360" cy="360"/>
+            </p14:xfrm>
+          </p:contentPart>
+        </mc:Choice>
+        <mc:Fallback>
+          <p:pic>
+            <p:nvPicPr>
+              <p:cNvPr id="16" name="잉크 15">
+                <a:extLst>
+                  <a:ext uri="{FF2B5EF4-FFF2-40B4-BE49-F238E27FC236}">
+                    <a16:creationId xmlns:a16="http://schemas.microsoft.com/office/drawing/2014/main" id="{E20C7A2F-E3E1-477A-B6D1-2EAFDED15AD5}"/>
+                  </a:ext>
+                </a:extLst>
+              </p:cNvPr>
+              <p:cNvPicPr/>
+              <p:nvPr/>
+            </p:nvPicPr>
+            <p:blipFill>
+              <a:blip r:embed="rId5"/>
+              <a:stretch>
+                <a:fillRect/>
+              </a:stretch>
+            </p:blipFill>
+            <p:spPr>
+              <a:xfrm>
+                <a:off x="1221480" y="4238459"/>
+                <a:ext cx="1512000" cy="144000"/>
+              </a:xfrm>
+              <a:prstGeom prst="rect">
+                <a:avLst/>
+              </a:prstGeom>
+            </p:spPr>
+          </p:pic>
+        </mc:Fallback>
+      </mc:AlternateContent>
     </p:spTree>
     <p:extLst>
       <p:ext uri="{BB962C8B-B14F-4D97-AF65-F5344CB8AC3E}">
@@ -11132,6 +12178,57 @@
           </a:p>
         </p:txBody>
       </p:sp>
+      <mc:AlternateContent xmlns:mc="http://schemas.openxmlformats.org/markup-compatibility/2006">
+        <mc:Choice xmlns:p14="http://schemas.microsoft.com/office/powerpoint/2010/main" Requires="p14">
+          <p:contentPart p14:bwMode="auto" r:id="rId4">
+            <p14:nvContentPartPr>
+              <p14:cNvPr id="7" name="잉크 6">
+                <a:extLst>
+                  <a:ext uri="{FF2B5EF4-FFF2-40B4-BE49-F238E27FC236}">
+                    <a16:creationId xmlns:a16="http://schemas.microsoft.com/office/drawing/2014/main" id="{62FF461C-02EF-4147-93F0-27025C63E08A}"/>
+                  </a:ext>
+                </a:extLst>
+              </p14:cNvPr>
+              <p14:cNvContentPartPr/>
+              <p14:nvPr/>
+            </p14:nvContentPartPr>
+            <p14:xfrm>
+              <a:off x="1577861" y="2671426"/>
+              <a:ext cx="811350" cy="360"/>
+            </p14:xfrm>
+          </p:contentPart>
+        </mc:Choice>
+        <mc:Fallback>
+          <p:pic>
+            <p:nvPicPr>
+              <p:cNvPr id="7" name="잉크 6">
+                <a:extLst>
+                  <a:ext uri="{FF2B5EF4-FFF2-40B4-BE49-F238E27FC236}">
+                    <a16:creationId xmlns:a16="http://schemas.microsoft.com/office/drawing/2014/main" id="{62FF461C-02EF-4147-93F0-27025C63E08A}"/>
+                  </a:ext>
+                </a:extLst>
+              </p:cNvPr>
+              <p:cNvPicPr/>
+              <p:nvPr/>
+            </p:nvPicPr>
+            <p:blipFill>
+              <a:blip r:embed="rId5"/>
+              <a:stretch>
+                <a:fillRect/>
+              </a:stretch>
+            </p:blipFill>
+            <p:spPr>
+              <a:xfrm>
+                <a:off x="1541865" y="2599426"/>
+                <a:ext cx="882982" cy="144000"/>
+              </a:xfrm>
+              <a:prstGeom prst="rect">
+                <a:avLst/>
+              </a:prstGeom>
+            </p:spPr>
+          </p:pic>
+        </mc:Fallback>
+      </mc:AlternateContent>
     </p:spTree>
     <p:extLst>
       <p:ext uri="{BB962C8B-B14F-4D97-AF65-F5344CB8AC3E}">
@@ -11326,6 +12423,108 @@
           </a:fontRef>
         </p:style>
       </p:cxnSp>
+      <mc:AlternateContent xmlns:mc="http://schemas.openxmlformats.org/markup-compatibility/2006">
+        <mc:Choice xmlns:p14="http://schemas.microsoft.com/office/powerpoint/2010/main" Requires="p14">
+          <p:contentPart p14:bwMode="auto" r:id="rId5">
+            <p14:nvContentPartPr>
+              <p14:cNvPr id="7" name="잉크 6">
+                <a:extLst>
+                  <a:ext uri="{FF2B5EF4-FFF2-40B4-BE49-F238E27FC236}">
+                    <a16:creationId xmlns:a16="http://schemas.microsoft.com/office/drawing/2014/main" id="{252FDFB2-E324-4F6F-A5B8-12B022E0093E}"/>
+                  </a:ext>
+                </a:extLst>
+              </p14:cNvPr>
+              <p14:cNvContentPartPr/>
+              <p14:nvPr/>
+            </p14:nvContentPartPr>
+            <p14:xfrm>
+              <a:off x="1577520" y="5768956"/>
+              <a:ext cx="5417640" cy="360"/>
+            </p14:xfrm>
+          </p:contentPart>
+        </mc:Choice>
+        <mc:Fallback>
+          <p:pic>
+            <p:nvPicPr>
+              <p:cNvPr id="7" name="잉크 6">
+                <a:extLst>
+                  <a:ext uri="{FF2B5EF4-FFF2-40B4-BE49-F238E27FC236}">
+                    <a16:creationId xmlns:a16="http://schemas.microsoft.com/office/drawing/2014/main" id="{252FDFB2-E324-4F6F-A5B8-12B022E0093E}"/>
+                  </a:ext>
+                </a:extLst>
+              </p:cNvPr>
+              <p:cNvPicPr/>
+              <p:nvPr/>
+            </p:nvPicPr>
+            <p:blipFill>
+              <a:blip r:embed="rId6"/>
+              <a:stretch>
+                <a:fillRect/>
+              </a:stretch>
+            </p:blipFill>
+            <p:spPr>
+              <a:xfrm>
+                <a:off x="1541513" y="5696956"/>
+                <a:ext cx="5489294" cy="144000"/>
+              </a:xfrm>
+              <a:prstGeom prst="rect">
+                <a:avLst/>
+              </a:prstGeom>
+            </p:spPr>
+          </p:pic>
+        </mc:Fallback>
+      </mc:AlternateContent>
+      <mc:AlternateContent xmlns:mc="http://schemas.openxmlformats.org/markup-compatibility/2006">
+        <mc:Choice xmlns:p14="http://schemas.microsoft.com/office/powerpoint/2010/main" Requires="p14">
+          <p:contentPart p14:bwMode="auto" r:id="rId7">
+            <p14:nvContentPartPr>
+              <p14:cNvPr id="9" name="잉크 8">
+                <a:extLst>
+                  <a:ext uri="{FF2B5EF4-FFF2-40B4-BE49-F238E27FC236}">
+                    <a16:creationId xmlns:a16="http://schemas.microsoft.com/office/drawing/2014/main" id="{AABDB2EF-85CD-4551-A23B-AD13C099651A}"/>
+                  </a:ext>
+                </a:extLst>
+              </p14:cNvPr>
+              <p14:cNvContentPartPr/>
+              <p14:nvPr/>
+            </p14:nvContentPartPr>
+            <p14:xfrm>
+              <a:off x="1577520" y="5960480"/>
+              <a:ext cx="6343470" cy="360"/>
+            </p14:xfrm>
+          </p:contentPart>
+        </mc:Choice>
+        <mc:Fallback>
+          <p:pic>
+            <p:nvPicPr>
+              <p:cNvPr id="9" name="잉크 8">
+                <a:extLst>
+                  <a:ext uri="{FF2B5EF4-FFF2-40B4-BE49-F238E27FC236}">
+                    <a16:creationId xmlns:a16="http://schemas.microsoft.com/office/drawing/2014/main" id="{AABDB2EF-85CD-4551-A23B-AD13C099651A}"/>
+                  </a:ext>
+                </a:extLst>
+              </p:cNvPr>
+              <p:cNvPicPr/>
+              <p:nvPr/>
+            </p:nvPicPr>
+            <p:blipFill>
+              <a:blip r:embed="rId8"/>
+              <a:stretch>
+                <a:fillRect/>
+              </a:stretch>
+            </p:blipFill>
+            <p:spPr>
+              <a:xfrm>
+                <a:off x="1541512" y="5888480"/>
+                <a:ext cx="6415125" cy="144000"/>
+              </a:xfrm>
+              <a:prstGeom prst="rect">
+                <a:avLst/>
+              </a:prstGeom>
+            </p:spPr>
+          </p:pic>
+        </mc:Fallback>
+      </mc:AlternateContent>
     </p:spTree>
     <p:extLst>
       <p:ext uri="{BB962C8B-B14F-4D97-AF65-F5344CB8AC3E}">
@@ -11821,6 +13020,108 @@
           </a:p>
         </p:txBody>
       </p:sp>
+      <mc:AlternateContent xmlns:mc="http://schemas.openxmlformats.org/markup-compatibility/2006">
+        <mc:Choice xmlns:p14="http://schemas.microsoft.com/office/powerpoint/2010/main" Requires="p14">
+          <p:contentPart p14:bwMode="auto" r:id="rId3">
+            <p14:nvContentPartPr>
+              <p14:cNvPr id="14" name="잉크 13">
+                <a:extLst>
+                  <a:ext uri="{FF2B5EF4-FFF2-40B4-BE49-F238E27FC236}">
+                    <a16:creationId xmlns:a16="http://schemas.microsoft.com/office/drawing/2014/main" id="{CAF1B4B1-F8FB-494D-825C-E49F395950D1}"/>
+                  </a:ext>
+                </a:extLst>
+              </p14:cNvPr>
+              <p14:cNvContentPartPr/>
+              <p14:nvPr/>
+            </p14:nvContentPartPr>
+            <p14:xfrm>
+              <a:off x="5228486" y="2712686"/>
+              <a:ext cx="1440360" cy="360"/>
+            </p14:xfrm>
+          </p:contentPart>
+        </mc:Choice>
+        <mc:Fallback>
+          <p:pic>
+            <p:nvPicPr>
+              <p:cNvPr id="14" name="잉크 13">
+                <a:extLst>
+                  <a:ext uri="{FF2B5EF4-FFF2-40B4-BE49-F238E27FC236}">
+                    <a16:creationId xmlns:a16="http://schemas.microsoft.com/office/drawing/2014/main" id="{CAF1B4B1-F8FB-494D-825C-E49F395950D1}"/>
+                  </a:ext>
+                </a:extLst>
+              </p:cNvPr>
+              <p:cNvPicPr/>
+              <p:nvPr/>
+            </p:nvPicPr>
+            <p:blipFill>
+              <a:blip r:embed="rId4"/>
+              <a:stretch>
+                <a:fillRect/>
+              </a:stretch>
+            </p:blipFill>
+            <p:spPr>
+              <a:xfrm>
+                <a:off x="5192486" y="2640686"/>
+                <a:ext cx="1512000" cy="144000"/>
+              </a:xfrm>
+              <a:prstGeom prst="rect">
+                <a:avLst/>
+              </a:prstGeom>
+            </p:spPr>
+          </p:pic>
+        </mc:Fallback>
+      </mc:AlternateContent>
+      <mc:AlternateContent xmlns:mc="http://schemas.openxmlformats.org/markup-compatibility/2006">
+        <mc:Choice xmlns:p14="http://schemas.microsoft.com/office/powerpoint/2010/main" Requires="p14">
+          <p:contentPart p14:bwMode="auto" r:id="rId5">
+            <p14:nvContentPartPr>
+              <p14:cNvPr id="15" name="잉크 14">
+                <a:extLst>
+                  <a:ext uri="{FF2B5EF4-FFF2-40B4-BE49-F238E27FC236}">
+                    <a16:creationId xmlns:a16="http://schemas.microsoft.com/office/drawing/2014/main" id="{5F13B427-1A67-4FDA-9E82-7B020633C8F2}"/>
+                  </a:ext>
+                </a:extLst>
+              </p14:cNvPr>
+              <p14:cNvContentPartPr/>
+              <p14:nvPr/>
+            </p14:nvContentPartPr>
+            <p14:xfrm>
+              <a:off x="6377222" y="5018567"/>
+              <a:ext cx="1440360" cy="360"/>
+            </p14:xfrm>
+          </p:contentPart>
+        </mc:Choice>
+        <mc:Fallback>
+          <p:pic>
+            <p:nvPicPr>
+              <p:cNvPr id="15" name="잉크 14">
+                <a:extLst>
+                  <a:ext uri="{FF2B5EF4-FFF2-40B4-BE49-F238E27FC236}">
+                    <a16:creationId xmlns:a16="http://schemas.microsoft.com/office/drawing/2014/main" id="{5F13B427-1A67-4FDA-9E82-7B020633C8F2}"/>
+                  </a:ext>
+                </a:extLst>
+              </p:cNvPr>
+              <p:cNvPicPr/>
+              <p:nvPr/>
+            </p:nvPicPr>
+            <p:blipFill>
+              <a:blip r:embed="rId4"/>
+              <a:stretch>
+                <a:fillRect/>
+              </a:stretch>
+            </p:blipFill>
+            <p:spPr>
+              <a:xfrm>
+                <a:off x="6341222" y="4946567"/>
+                <a:ext cx="1512000" cy="144000"/>
+              </a:xfrm>
+              <a:prstGeom prst="rect">
+                <a:avLst/>
+              </a:prstGeom>
+            </p:spPr>
+          </p:pic>
+        </mc:Fallback>
+      </mc:AlternateContent>
     </p:spTree>
     <p:extLst>
       <p:ext uri="{BB962C8B-B14F-4D97-AF65-F5344CB8AC3E}">
@@ -12133,6 +13434,108 @@
           </a:fontRef>
         </p:style>
       </p:cxnSp>
+      <mc:AlternateContent xmlns:mc="http://schemas.openxmlformats.org/markup-compatibility/2006">
+        <mc:Choice xmlns:p14="http://schemas.microsoft.com/office/powerpoint/2010/main" Requires="p14">
+          <p:contentPart p14:bwMode="auto" r:id="rId5">
+            <p14:nvContentPartPr>
+              <p14:cNvPr id="11" name="잉크 10">
+                <a:extLst>
+                  <a:ext uri="{FF2B5EF4-FFF2-40B4-BE49-F238E27FC236}">
+                    <a16:creationId xmlns:a16="http://schemas.microsoft.com/office/drawing/2014/main" id="{FB59120D-0BB0-4E55-B3C1-51969379C0CE}"/>
+                  </a:ext>
+                </a:extLst>
+              </p14:cNvPr>
+              <p14:cNvContentPartPr/>
+              <p14:nvPr/>
+            </p14:nvContentPartPr>
+            <p14:xfrm>
+              <a:off x="6475716" y="1065291"/>
+              <a:ext cx="2955417" cy="360"/>
+            </p14:xfrm>
+          </p:contentPart>
+        </mc:Choice>
+        <mc:Fallback>
+          <p:pic>
+            <p:nvPicPr>
+              <p:cNvPr id="11" name="잉크 10">
+                <a:extLst>
+                  <a:ext uri="{FF2B5EF4-FFF2-40B4-BE49-F238E27FC236}">
+                    <a16:creationId xmlns:a16="http://schemas.microsoft.com/office/drawing/2014/main" id="{FB59120D-0BB0-4E55-B3C1-51969379C0CE}"/>
+                  </a:ext>
+                </a:extLst>
+              </p:cNvPr>
+              <p:cNvPicPr/>
+              <p:nvPr/>
+            </p:nvPicPr>
+            <p:blipFill>
+              <a:blip r:embed="rId6"/>
+              <a:stretch>
+                <a:fillRect/>
+              </a:stretch>
+            </p:blipFill>
+            <p:spPr>
+              <a:xfrm>
+                <a:off x="6439709" y="993291"/>
+                <a:ext cx="3027070" cy="144000"/>
+              </a:xfrm>
+              <a:prstGeom prst="rect">
+                <a:avLst/>
+              </a:prstGeom>
+            </p:spPr>
+          </p:pic>
+        </mc:Fallback>
+      </mc:AlternateContent>
+      <mc:AlternateContent xmlns:mc="http://schemas.openxmlformats.org/markup-compatibility/2006">
+        <mc:Choice xmlns:p14="http://schemas.microsoft.com/office/powerpoint/2010/main" Requires="p14">
+          <p:contentPart p14:bwMode="auto" r:id="rId7">
+            <p14:nvContentPartPr>
+              <p14:cNvPr id="13" name="잉크 12">
+                <a:extLst>
+                  <a:ext uri="{FF2B5EF4-FFF2-40B4-BE49-F238E27FC236}">
+                    <a16:creationId xmlns:a16="http://schemas.microsoft.com/office/drawing/2014/main" id="{B6AB3D4B-333B-48F8-8CE9-FD1505AE2D95}"/>
+                  </a:ext>
+                </a:extLst>
+              </p14:cNvPr>
+              <p14:cNvContentPartPr/>
+              <p14:nvPr/>
+            </p14:nvContentPartPr>
+            <p14:xfrm>
+              <a:off x="5091644" y="5774759"/>
+              <a:ext cx="2154114" cy="360"/>
+            </p14:xfrm>
+          </p:contentPart>
+        </mc:Choice>
+        <mc:Fallback>
+          <p:pic>
+            <p:nvPicPr>
+              <p:cNvPr id="13" name="잉크 12">
+                <a:extLst>
+                  <a:ext uri="{FF2B5EF4-FFF2-40B4-BE49-F238E27FC236}">
+                    <a16:creationId xmlns:a16="http://schemas.microsoft.com/office/drawing/2014/main" id="{B6AB3D4B-333B-48F8-8CE9-FD1505AE2D95}"/>
+                  </a:ext>
+                </a:extLst>
+              </p:cNvPr>
+              <p:cNvPicPr/>
+              <p:nvPr/>
+            </p:nvPicPr>
+            <p:blipFill>
+              <a:blip r:embed="rId8"/>
+              <a:stretch>
+                <a:fillRect/>
+              </a:stretch>
+            </p:blipFill>
+            <p:spPr>
+              <a:xfrm>
+                <a:off x="5055640" y="5702759"/>
+                <a:ext cx="2225762" cy="144000"/>
+              </a:xfrm>
+              <a:prstGeom prst="rect">
+                <a:avLst/>
+              </a:prstGeom>
+            </p:spPr>
+          </p:pic>
+        </mc:Fallback>
+      </mc:AlternateContent>
     </p:spTree>
     <p:extLst>
       <p:ext uri="{BB962C8B-B14F-4D97-AF65-F5344CB8AC3E}">
@@ -12471,6 +13874,57 @@
           </a:p>
         </p:txBody>
       </p:sp>
+      <mc:AlternateContent xmlns:mc="http://schemas.openxmlformats.org/markup-compatibility/2006">
+        <mc:Choice xmlns:p14="http://schemas.microsoft.com/office/powerpoint/2010/main" Requires="p14">
+          <p:contentPart p14:bwMode="auto" r:id="rId4">
+            <p14:nvContentPartPr>
+              <p14:cNvPr id="8" name="잉크 7">
+                <a:extLst>
+                  <a:ext uri="{FF2B5EF4-FFF2-40B4-BE49-F238E27FC236}">
+                    <a16:creationId xmlns:a16="http://schemas.microsoft.com/office/drawing/2014/main" id="{6ADE5259-D884-4751-ACDB-8583305B8722}"/>
+                  </a:ext>
+                </a:extLst>
+              </p14:cNvPr>
+              <p14:cNvContentPartPr/>
+              <p14:nvPr/>
+            </p14:nvContentPartPr>
+            <p14:xfrm>
+              <a:off x="7589700" y="4308549"/>
+              <a:ext cx="340241" cy="360"/>
+            </p14:xfrm>
+          </p:contentPart>
+        </mc:Choice>
+        <mc:Fallback>
+          <p:pic>
+            <p:nvPicPr>
+              <p:cNvPr id="8" name="잉크 7">
+                <a:extLst>
+                  <a:ext uri="{FF2B5EF4-FFF2-40B4-BE49-F238E27FC236}">
+                    <a16:creationId xmlns:a16="http://schemas.microsoft.com/office/drawing/2014/main" id="{6ADE5259-D884-4751-ACDB-8583305B8722}"/>
+                  </a:ext>
+                </a:extLst>
+              </p:cNvPr>
+              <p:cNvPicPr/>
+              <p:nvPr/>
+            </p:nvPicPr>
+            <p:blipFill>
+              <a:blip r:embed="rId5"/>
+              <a:stretch>
+                <a:fillRect/>
+              </a:stretch>
+            </p:blipFill>
+            <p:spPr>
+              <a:xfrm>
+                <a:off x="7553734" y="4236549"/>
+                <a:ext cx="411814" cy="144000"/>
+              </a:xfrm>
+              <a:prstGeom prst="rect">
+                <a:avLst/>
+              </a:prstGeom>
+            </p:spPr>
+          </p:pic>
+        </mc:Fallback>
+      </mc:AlternateContent>
     </p:spTree>
     <p:extLst>
       <p:ext uri="{BB962C8B-B14F-4D97-AF65-F5344CB8AC3E}">
